--- a/ppt 16-9/1084.何等大的慈.pptx
+++ b/ppt 16-9/1084.何等大的慈.pptx
@@ -5,7 +5,7 @@
     <p:sldMasterId id="2147483648" r:id="rId1"/>
   </p:sldMasterIdLst>
   <p:sldIdLst>
-    <p:sldId id="539" r:id="rId2"/>
+    <p:sldId id="540" r:id="rId2"/>
   </p:sldIdLst>
   <p:sldSz cx="12192000" cy="6858000"/>
   <p:notesSz cx="6858000" cy="9144000"/>
@@ -129,7 +129,7 @@
           <p:cNvPr id="2" name="标题 1">
             <a:extLst>
               <a:ext uri="{FF2B5EF4-FFF2-40B4-BE49-F238E27FC236}">
-                <a16:creationId xmlns:a16="http://schemas.microsoft.com/office/drawing/2014/main" id="{786334C3-2B9D-6210-DDD6-DF40DFC958CA}"/>
+                <a16:creationId xmlns:a16="http://schemas.microsoft.com/office/drawing/2014/main" id="{8B9E80C6-B8E5-30EF-4C1F-1C8180F5C7EB}"/>
               </a:ext>
             </a:extLst>
           </p:cNvPr>
@@ -166,7 +166,7 @@
           <p:cNvPr id="3" name="副标题 2">
             <a:extLst>
               <a:ext uri="{FF2B5EF4-FFF2-40B4-BE49-F238E27FC236}">
-                <a16:creationId xmlns:a16="http://schemas.microsoft.com/office/drawing/2014/main" id="{CE3BC9C5-47CF-3ED3-1F4B-6DEFF1D05611}"/>
+                <a16:creationId xmlns:a16="http://schemas.microsoft.com/office/drawing/2014/main" id="{D17B699A-209B-B011-D435-76E6C9660A21}"/>
               </a:ext>
             </a:extLst>
           </p:cNvPr>
@@ -236,7 +236,7 @@
           <p:cNvPr id="4" name="日期占位符 3">
             <a:extLst>
               <a:ext uri="{FF2B5EF4-FFF2-40B4-BE49-F238E27FC236}">
-                <a16:creationId xmlns:a16="http://schemas.microsoft.com/office/drawing/2014/main" id="{9D5F295B-0203-2926-37A7-BE2E7434F014}"/>
+                <a16:creationId xmlns:a16="http://schemas.microsoft.com/office/drawing/2014/main" id="{62EF906D-E193-A419-B8A6-CDD88E86BAB3}"/>
               </a:ext>
             </a:extLst>
           </p:cNvPr>
@@ -252,7 +252,7 @@
           <a:bodyPr/>
           <a:lstStyle/>
           <a:p>
-            <a:fld id="{36604C1F-3788-4DEF-B93A-93B34974D5BF}" type="datetimeFigureOut">
+            <a:fld id="{40B384D3-2870-47AA-8050-DCC83562747A}" type="datetimeFigureOut">
               <a:rPr lang="zh-CN" altLang="en-US" smtClean="0"/>
               <a:t>2024/3/10</a:t>
             </a:fld>
@@ -265,7 +265,7 @@
           <p:cNvPr id="5" name="页脚占位符 4">
             <a:extLst>
               <a:ext uri="{FF2B5EF4-FFF2-40B4-BE49-F238E27FC236}">
-                <a16:creationId xmlns:a16="http://schemas.microsoft.com/office/drawing/2014/main" id="{AC6229FA-9B79-5BF1-CCFD-86CA24B6A9B9}"/>
+                <a16:creationId xmlns:a16="http://schemas.microsoft.com/office/drawing/2014/main" id="{0C2B6842-0DE3-E9EA-91E3-DC863A7964CA}"/>
               </a:ext>
             </a:extLst>
           </p:cNvPr>
@@ -290,7 +290,7 @@
           <p:cNvPr id="6" name="灯片编号占位符 5">
             <a:extLst>
               <a:ext uri="{FF2B5EF4-FFF2-40B4-BE49-F238E27FC236}">
-                <a16:creationId xmlns:a16="http://schemas.microsoft.com/office/drawing/2014/main" id="{500CE1D0-19A5-45AF-F390-DA796DEF05B2}"/>
+                <a16:creationId xmlns:a16="http://schemas.microsoft.com/office/drawing/2014/main" id="{6D518CEF-A4E4-80C8-9D23-EF871CB68275}"/>
               </a:ext>
             </a:extLst>
           </p:cNvPr>
@@ -306,7 +306,7 @@
           <a:bodyPr/>
           <a:lstStyle/>
           <a:p>
-            <a:fld id="{2FDC811E-1B4C-491A-8724-28BD9668B8AE}" type="slidenum">
+            <a:fld id="{80DAD571-7B1D-4A0D-BB80-5FBAD0303FB7}" type="slidenum">
               <a:rPr lang="zh-CN" altLang="en-US" smtClean="0"/>
               <a:t>‹#›</a:t>
             </a:fld>
@@ -317,7 +317,7 @@
     </p:spTree>
     <p:extLst>
       <p:ext uri="{BB962C8B-B14F-4D97-AF65-F5344CB8AC3E}">
-        <p14:creationId xmlns:p14="http://schemas.microsoft.com/office/powerpoint/2010/main" val="1334111702"/>
+        <p14:creationId xmlns:p14="http://schemas.microsoft.com/office/powerpoint/2010/main" val="610078424"/>
       </p:ext>
     </p:extLst>
   </p:cSld>
@@ -349,7 +349,7 @@
           <p:cNvPr id="2" name="标题 1">
             <a:extLst>
               <a:ext uri="{FF2B5EF4-FFF2-40B4-BE49-F238E27FC236}">
-                <a16:creationId xmlns:a16="http://schemas.microsoft.com/office/drawing/2014/main" id="{AEBC625C-EF8A-A5BE-C302-D2B083817300}"/>
+                <a16:creationId xmlns:a16="http://schemas.microsoft.com/office/drawing/2014/main" id="{371B4F3A-491D-D63B-3D14-A7A827F4380A}"/>
               </a:ext>
             </a:extLst>
           </p:cNvPr>
@@ -377,7 +377,7 @@
           <p:cNvPr id="3" name="竖排文字占位符 2">
             <a:extLst>
               <a:ext uri="{FF2B5EF4-FFF2-40B4-BE49-F238E27FC236}">
-                <a16:creationId xmlns:a16="http://schemas.microsoft.com/office/drawing/2014/main" id="{924DDD72-9F74-9623-D13A-1931CB51B294}"/>
+                <a16:creationId xmlns:a16="http://schemas.microsoft.com/office/drawing/2014/main" id="{1BBBFD5C-8E9B-F391-5548-61C388417C84}"/>
               </a:ext>
             </a:extLst>
           </p:cNvPr>
@@ -434,7 +434,7 @@
           <p:cNvPr id="4" name="日期占位符 3">
             <a:extLst>
               <a:ext uri="{FF2B5EF4-FFF2-40B4-BE49-F238E27FC236}">
-                <a16:creationId xmlns:a16="http://schemas.microsoft.com/office/drawing/2014/main" id="{00E7BD20-9D0C-CD8B-5FCB-CEB02649A015}"/>
+                <a16:creationId xmlns:a16="http://schemas.microsoft.com/office/drawing/2014/main" id="{51D9B3D6-39D2-FF3B-143F-2D2CA873F15B}"/>
               </a:ext>
             </a:extLst>
           </p:cNvPr>
@@ -450,7 +450,7 @@
           <a:bodyPr/>
           <a:lstStyle/>
           <a:p>
-            <a:fld id="{36604C1F-3788-4DEF-B93A-93B34974D5BF}" type="datetimeFigureOut">
+            <a:fld id="{40B384D3-2870-47AA-8050-DCC83562747A}" type="datetimeFigureOut">
               <a:rPr lang="zh-CN" altLang="en-US" smtClean="0"/>
               <a:t>2024/3/10</a:t>
             </a:fld>
@@ -463,7 +463,7 @@
           <p:cNvPr id="5" name="页脚占位符 4">
             <a:extLst>
               <a:ext uri="{FF2B5EF4-FFF2-40B4-BE49-F238E27FC236}">
-                <a16:creationId xmlns:a16="http://schemas.microsoft.com/office/drawing/2014/main" id="{539827A1-1DCB-7EFA-C609-B87679F1EC56}"/>
+                <a16:creationId xmlns:a16="http://schemas.microsoft.com/office/drawing/2014/main" id="{1E6FFFBC-FD61-4697-CB9B-4EE273BE37AA}"/>
               </a:ext>
             </a:extLst>
           </p:cNvPr>
@@ -488,7 +488,7 @@
           <p:cNvPr id="6" name="灯片编号占位符 5">
             <a:extLst>
               <a:ext uri="{FF2B5EF4-FFF2-40B4-BE49-F238E27FC236}">
-                <a16:creationId xmlns:a16="http://schemas.microsoft.com/office/drawing/2014/main" id="{6664F31B-4DC5-4DD5-FE2A-89F5C241C466}"/>
+                <a16:creationId xmlns:a16="http://schemas.microsoft.com/office/drawing/2014/main" id="{AA03AA56-68B6-9868-4F96-ECD08D528131}"/>
               </a:ext>
             </a:extLst>
           </p:cNvPr>
@@ -504,7 +504,7 @@
           <a:bodyPr/>
           <a:lstStyle/>
           <a:p>
-            <a:fld id="{2FDC811E-1B4C-491A-8724-28BD9668B8AE}" type="slidenum">
+            <a:fld id="{80DAD571-7B1D-4A0D-BB80-5FBAD0303FB7}" type="slidenum">
               <a:rPr lang="zh-CN" altLang="en-US" smtClean="0"/>
               <a:t>‹#›</a:t>
             </a:fld>
@@ -515,7 +515,7 @@
     </p:spTree>
     <p:extLst>
       <p:ext uri="{BB962C8B-B14F-4D97-AF65-F5344CB8AC3E}">
-        <p14:creationId xmlns:p14="http://schemas.microsoft.com/office/powerpoint/2010/main" val="1272386207"/>
+        <p14:creationId xmlns:p14="http://schemas.microsoft.com/office/powerpoint/2010/main" val="4140647409"/>
       </p:ext>
     </p:extLst>
   </p:cSld>
@@ -547,7 +547,7 @@
           <p:cNvPr id="2" name="竖排标题 1">
             <a:extLst>
               <a:ext uri="{FF2B5EF4-FFF2-40B4-BE49-F238E27FC236}">
-                <a16:creationId xmlns:a16="http://schemas.microsoft.com/office/drawing/2014/main" id="{99593D87-45E1-3C3C-51ED-97C2E99594BE}"/>
+                <a16:creationId xmlns:a16="http://schemas.microsoft.com/office/drawing/2014/main" id="{A36FA46A-C6E9-125A-6039-E36228752551}"/>
               </a:ext>
             </a:extLst>
           </p:cNvPr>
@@ -580,7 +580,7 @@
           <p:cNvPr id="3" name="竖排文字占位符 2">
             <a:extLst>
               <a:ext uri="{FF2B5EF4-FFF2-40B4-BE49-F238E27FC236}">
-                <a16:creationId xmlns:a16="http://schemas.microsoft.com/office/drawing/2014/main" id="{754E4CFF-6087-96A0-C4DA-AA9F06E2F138}"/>
+                <a16:creationId xmlns:a16="http://schemas.microsoft.com/office/drawing/2014/main" id="{83E07302-DAF7-69AF-FEF9-F0F4D5821318}"/>
               </a:ext>
             </a:extLst>
           </p:cNvPr>
@@ -642,7 +642,7 @@
           <p:cNvPr id="4" name="日期占位符 3">
             <a:extLst>
               <a:ext uri="{FF2B5EF4-FFF2-40B4-BE49-F238E27FC236}">
-                <a16:creationId xmlns:a16="http://schemas.microsoft.com/office/drawing/2014/main" id="{80847B99-EF46-CB9D-BB05-981C94E5B488}"/>
+                <a16:creationId xmlns:a16="http://schemas.microsoft.com/office/drawing/2014/main" id="{DD315EA0-39EA-8D18-C61C-DE9B66C14EAD}"/>
               </a:ext>
             </a:extLst>
           </p:cNvPr>
@@ -658,7 +658,7 @@
           <a:bodyPr/>
           <a:lstStyle/>
           <a:p>
-            <a:fld id="{36604C1F-3788-4DEF-B93A-93B34974D5BF}" type="datetimeFigureOut">
+            <a:fld id="{40B384D3-2870-47AA-8050-DCC83562747A}" type="datetimeFigureOut">
               <a:rPr lang="zh-CN" altLang="en-US" smtClean="0"/>
               <a:t>2024/3/10</a:t>
             </a:fld>
@@ -671,7 +671,7 @@
           <p:cNvPr id="5" name="页脚占位符 4">
             <a:extLst>
               <a:ext uri="{FF2B5EF4-FFF2-40B4-BE49-F238E27FC236}">
-                <a16:creationId xmlns:a16="http://schemas.microsoft.com/office/drawing/2014/main" id="{EB691399-BAD7-257F-49F5-E43B8B13650E}"/>
+                <a16:creationId xmlns:a16="http://schemas.microsoft.com/office/drawing/2014/main" id="{98082559-BCCF-75D7-612B-36D61B853EA5}"/>
               </a:ext>
             </a:extLst>
           </p:cNvPr>
@@ -696,7 +696,7 @@
           <p:cNvPr id="6" name="灯片编号占位符 5">
             <a:extLst>
               <a:ext uri="{FF2B5EF4-FFF2-40B4-BE49-F238E27FC236}">
-                <a16:creationId xmlns:a16="http://schemas.microsoft.com/office/drawing/2014/main" id="{1428E190-54D2-D0A3-979A-29C186423D49}"/>
+                <a16:creationId xmlns:a16="http://schemas.microsoft.com/office/drawing/2014/main" id="{A2C2A3B5-E670-4C6E-8EE0-D9AAF942CBC6}"/>
               </a:ext>
             </a:extLst>
           </p:cNvPr>
@@ -712,7 +712,7 @@
           <a:bodyPr/>
           <a:lstStyle/>
           <a:p>
-            <a:fld id="{2FDC811E-1B4C-491A-8724-28BD9668B8AE}" type="slidenum">
+            <a:fld id="{80DAD571-7B1D-4A0D-BB80-5FBAD0303FB7}" type="slidenum">
               <a:rPr lang="zh-CN" altLang="en-US" smtClean="0"/>
               <a:t>‹#›</a:t>
             </a:fld>
@@ -723,7 +723,7 @@
     </p:spTree>
     <p:extLst>
       <p:ext uri="{BB962C8B-B14F-4D97-AF65-F5344CB8AC3E}">
-        <p14:creationId xmlns:p14="http://schemas.microsoft.com/office/powerpoint/2010/main" val="3725545080"/>
+        <p14:creationId xmlns:p14="http://schemas.microsoft.com/office/powerpoint/2010/main" val="3880943312"/>
       </p:ext>
     </p:extLst>
   </p:cSld>
@@ -755,7 +755,7 @@
           <p:cNvPr id="2" name="标题 1">
             <a:extLst>
               <a:ext uri="{FF2B5EF4-FFF2-40B4-BE49-F238E27FC236}">
-                <a16:creationId xmlns:a16="http://schemas.microsoft.com/office/drawing/2014/main" id="{2FFF8CD2-B90E-0962-CC3D-47560BD2BECE}"/>
+                <a16:creationId xmlns:a16="http://schemas.microsoft.com/office/drawing/2014/main" id="{EF0710E9-079D-BA01-BD41-AE7532FBC3E6}"/>
               </a:ext>
             </a:extLst>
           </p:cNvPr>
@@ -783,7 +783,7 @@
           <p:cNvPr id="3" name="内容占位符 2">
             <a:extLst>
               <a:ext uri="{FF2B5EF4-FFF2-40B4-BE49-F238E27FC236}">
-                <a16:creationId xmlns:a16="http://schemas.microsoft.com/office/drawing/2014/main" id="{98BBEDF6-8861-B0C5-0B8D-AC09045309BF}"/>
+                <a16:creationId xmlns:a16="http://schemas.microsoft.com/office/drawing/2014/main" id="{EB6613FF-3075-F5B3-A416-5E23560896E9}"/>
               </a:ext>
             </a:extLst>
           </p:cNvPr>
@@ -840,7 +840,7 @@
           <p:cNvPr id="4" name="日期占位符 3">
             <a:extLst>
               <a:ext uri="{FF2B5EF4-FFF2-40B4-BE49-F238E27FC236}">
-                <a16:creationId xmlns:a16="http://schemas.microsoft.com/office/drawing/2014/main" id="{131E97F1-285A-256C-F79E-A3F14F369DE8}"/>
+                <a16:creationId xmlns:a16="http://schemas.microsoft.com/office/drawing/2014/main" id="{9E94BA23-4928-41C9-D946-44BB2215F5DF}"/>
               </a:ext>
             </a:extLst>
           </p:cNvPr>
@@ -856,7 +856,7 @@
           <a:bodyPr/>
           <a:lstStyle/>
           <a:p>
-            <a:fld id="{36604C1F-3788-4DEF-B93A-93B34974D5BF}" type="datetimeFigureOut">
+            <a:fld id="{40B384D3-2870-47AA-8050-DCC83562747A}" type="datetimeFigureOut">
               <a:rPr lang="zh-CN" altLang="en-US" smtClean="0"/>
               <a:t>2024/3/10</a:t>
             </a:fld>
@@ -869,7 +869,7 @@
           <p:cNvPr id="5" name="页脚占位符 4">
             <a:extLst>
               <a:ext uri="{FF2B5EF4-FFF2-40B4-BE49-F238E27FC236}">
-                <a16:creationId xmlns:a16="http://schemas.microsoft.com/office/drawing/2014/main" id="{2A3E29EA-7338-918E-4942-FC5305F0E339}"/>
+                <a16:creationId xmlns:a16="http://schemas.microsoft.com/office/drawing/2014/main" id="{4582F0E2-1F5E-249C-47F7-DEFCDD4B7C9B}"/>
               </a:ext>
             </a:extLst>
           </p:cNvPr>
@@ -894,7 +894,7 @@
           <p:cNvPr id="6" name="灯片编号占位符 5">
             <a:extLst>
               <a:ext uri="{FF2B5EF4-FFF2-40B4-BE49-F238E27FC236}">
-                <a16:creationId xmlns:a16="http://schemas.microsoft.com/office/drawing/2014/main" id="{37526A3C-F604-D8BE-0C34-D8E656F95DBD}"/>
+                <a16:creationId xmlns:a16="http://schemas.microsoft.com/office/drawing/2014/main" id="{D2F18DCE-0823-D916-2C5A-8DA4EB0E56FB}"/>
               </a:ext>
             </a:extLst>
           </p:cNvPr>
@@ -910,7 +910,7 @@
           <a:bodyPr/>
           <a:lstStyle/>
           <a:p>
-            <a:fld id="{2FDC811E-1B4C-491A-8724-28BD9668B8AE}" type="slidenum">
+            <a:fld id="{80DAD571-7B1D-4A0D-BB80-5FBAD0303FB7}" type="slidenum">
               <a:rPr lang="zh-CN" altLang="en-US" smtClean="0"/>
               <a:t>‹#›</a:t>
             </a:fld>
@@ -921,7 +921,7 @@
     </p:spTree>
     <p:extLst>
       <p:ext uri="{BB962C8B-B14F-4D97-AF65-F5344CB8AC3E}">
-        <p14:creationId xmlns:p14="http://schemas.microsoft.com/office/powerpoint/2010/main" val="3984756008"/>
+        <p14:creationId xmlns:p14="http://schemas.microsoft.com/office/powerpoint/2010/main" val="4292197910"/>
       </p:ext>
     </p:extLst>
   </p:cSld>
@@ -953,7 +953,7 @@
           <p:cNvPr id="2" name="标题 1">
             <a:extLst>
               <a:ext uri="{FF2B5EF4-FFF2-40B4-BE49-F238E27FC236}">
-                <a16:creationId xmlns:a16="http://schemas.microsoft.com/office/drawing/2014/main" id="{4911003F-9203-1ECD-405A-73D4AB7BDBAB}"/>
+                <a16:creationId xmlns:a16="http://schemas.microsoft.com/office/drawing/2014/main" id="{B33BC5D0-ACCA-DCA9-644C-CC71EFE4612B}"/>
               </a:ext>
             </a:extLst>
           </p:cNvPr>
@@ -990,7 +990,7 @@
           <p:cNvPr id="3" name="文本占位符 2">
             <a:extLst>
               <a:ext uri="{FF2B5EF4-FFF2-40B4-BE49-F238E27FC236}">
-                <a16:creationId xmlns:a16="http://schemas.microsoft.com/office/drawing/2014/main" id="{1CCD8CDB-106B-4FAF-26B6-AB57CCE79B3D}"/>
+                <a16:creationId xmlns:a16="http://schemas.microsoft.com/office/drawing/2014/main" id="{EB3FEB16-431F-7EA8-3C88-178BAB640420}"/>
               </a:ext>
             </a:extLst>
           </p:cNvPr>
@@ -1115,7 +1115,7 @@
           <p:cNvPr id="4" name="日期占位符 3">
             <a:extLst>
               <a:ext uri="{FF2B5EF4-FFF2-40B4-BE49-F238E27FC236}">
-                <a16:creationId xmlns:a16="http://schemas.microsoft.com/office/drawing/2014/main" id="{88EF33A6-FD24-66B3-1F62-661129C93E2F}"/>
+                <a16:creationId xmlns:a16="http://schemas.microsoft.com/office/drawing/2014/main" id="{DD5408E9-B6A7-8248-74D9-8350E10BA64C}"/>
               </a:ext>
             </a:extLst>
           </p:cNvPr>
@@ -1131,7 +1131,7 @@
           <a:bodyPr/>
           <a:lstStyle/>
           <a:p>
-            <a:fld id="{36604C1F-3788-4DEF-B93A-93B34974D5BF}" type="datetimeFigureOut">
+            <a:fld id="{40B384D3-2870-47AA-8050-DCC83562747A}" type="datetimeFigureOut">
               <a:rPr lang="zh-CN" altLang="en-US" smtClean="0"/>
               <a:t>2024/3/10</a:t>
             </a:fld>
@@ -1144,7 +1144,7 @@
           <p:cNvPr id="5" name="页脚占位符 4">
             <a:extLst>
               <a:ext uri="{FF2B5EF4-FFF2-40B4-BE49-F238E27FC236}">
-                <a16:creationId xmlns:a16="http://schemas.microsoft.com/office/drawing/2014/main" id="{F3FF35F0-C3FF-E45A-BD3E-19A8595423E1}"/>
+                <a16:creationId xmlns:a16="http://schemas.microsoft.com/office/drawing/2014/main" id="{829A1476-631C-3BB6-1DD8-CB74F5266B82}"/>
               </a:ext>
             </a:extLst>
           </p:cNvPr>
@@ -1169,7 +1169,7 @@
           <p:cNvPr id="6" name="灯片编号占位符 5">
             <a:extLst>
               <a:ext uri="{FF2B5EF4-FFF2-40B4-BE49-F238E27FC236}">
-                <a16:creationId xmlns:a16="http://schemas.microsoft.com/office/drawing/2014/main" id="{F8F5E8C0-A88C-F42C-81D0-5BA5E9F17571}"/>
+                <a16:creationId xmlns:a16="http://schemas.microsoft.com/office/drawing/2014/main" id="{2ABF7D8E-EDCF-203A-F336-F048A48833A6}"/>
               </a:ext>
             </a:extLst>
           </p:cNvPr>
@@ -1185,7 +1185,7 @@
           <a:bodyPr/>
           <a:lstStyle/>
           <a:p>
-            <a:fld id="{2FDC811E-1B4C-491A-8724-28BD9668B8AE}" type="slidenum">
+            <a:fld id="{80DAD571-7B1D-4A0D-BB80-5FBAD0303FB7}" type="slidenum">
               <a:rPr lang="zh-CN" altLang="en-US" smtClean="0"/>
               <a:t>‹#›</a:t>
             </a:fld>
@@ -1196,7 +1196,7 @@
     </p:spTree>
     <p:extLst>
       <p:ext uri="{BB962C8B-B14F-4D97-AF65-F5344CB8AC3E}">
-        <p14:creationId xmlns:p14="http://schemas.microsoft.com/office/powerpoint/2010/main" val="202263716"/>
+        <p14:creationId xmlns:p14="http://schemas.microsoft.com/office/powerpoint/2010/main" val="2397007681"/>
       </p:ext>
     </p:extLst>
   </p:cSld>
@@ -1228,7 +1228,7 @@
           <p:cNvPr id="2" name="标题 1">
             <a:extLst>
               <a:ext uri="{FF2B5EF4-FFF2-40B4-BE49-F238E27FC236}">
-                <a16:creationId xmlns:a16="http://schemas.microsoft.com/office/drawing/2014/main" id="{119A78AA-E700-1CE0-B2FB-228ED7C5A790}"/>
+                <a16:creationId xmlns:a16="http://schemas.microsoft.com/office/drawing/2014/main" id="{0EBF64DA-EC30-B4F6-AA50-3021BA7A90E7}"/>
               </a:ext>
             </a:extLst>
           </p:cNvPr>
@@ -1256,7 +1256,7 @@
           <p:cNvPr id="3" name="内容占位符 2">
             <a:extLst>
               <a:ext uri="{FF2B5EF4-FFF2-40B4-BE49-F238E27FC236}">
-                <a16:creationId xmlns:a16="http://schemas.microsoft.com/office/drawing/2014/main" id="{F851144D-DA7D-CE9A-7208-13E0B1A7A3F0}"/>
+                <a16:creationId xmlns:a16="http://schemas.microsoft.com/office/drawing/2014/main" id="{A0DC8D30-B54A-CC4E-303A-882B5DB3E56A}"/>
               </a:ext>
             </a:extLst>
           </p:cNvPr>
@@ -1318,7 +1318,7 @@
           <p:cNvPr id="4" name="内容占位符 3">
             <a:extLst>
               <a:ext uri="{FF2B5EF4-FFF2-40B4-BE49-F238E27FC236}">
-                <a16:creationId xmlns:a16="http://schemas.microsoft.com/office/drawing/2014/main" id="{4100A25E-753F-6251-0701-3657563F9BFC}"/>
+                <a16:creationId xmlns:a16="http://schemas.microsoft.com/office/drawing/2014/main" id="{55AFD1AE-8F21-4FC9-A697-2AE5EAF1722F}"/>
               </a:ext>
             </a:extLst>
           </p:cNvPr>
@@ -1380,7 +1380,7 @@
           <p:cNvPr id="5" name="日期占位符 4">
             <a:extLst>
               <a:ext uri="{FF2B5EF4-FFF2-40B4-BE49-F238E27FC236}">
-                <a16:creationId xmlns:a16="http://schemas.microsoft.com/office/drawing/2014/main" id="{2AF9B29C-357D-1918-4E56-5130754ABDCE}"/>
+                <a16:creationId xmlns:a16="http://schemas.microsoft.com/office/drawing/2014/main" id="{3FDA1386-0B56-2E8B-E76E-BF0F69D8D920}"/>
               </a:ext>
             </a:extLst>
           </p:cNvPr>
@@ -1396,7 +1396,7 @@
           <a:bodyPr/>
           <a:lstStyle/>
           <a:p>
-            <a:fld id="{36604C1F-3788-4DEF-B93A-93B34974D5BF}" type="datetimeFigureOut">
+            <a:fld id="{40B384D3-2870-47AA-8050-DCC83562747A}" type="datetimeFigureOut">
               <a:rPr lang="zh-CN" altLang="en-US" smtClean="0"/>
               <a:t>2024/3/10</a:t>
             </a:fld>
@@ -1409,7 +1409,7 @@
           <p:cNvPr id="6" name="页脚占位符 5">
             <a:extLst>
               <a:ext uri="{FF2B5EF4-FFF2-40B4-BE49-F238E27FC236}">
-                <a16:creationId xmlns:a16="http://schemas.microsoft.com/office/drawing/2014/main" id="{2A05CAC2-2F4B-CDEA-9D27-501D4D033E59}"/>
+                <a16:creationId xmlns:a16="http://schemas.microsoft.com/office/drawing/2014/main" id="{78484E75-6FF4-A9AB-689A-E8F791125BD9}"/>
               </a:ext>
             </a:extLst>
           </p:cNvPr>
@@ -1434,7 +1434,7 @@
           <p:cNvPr id="7" name="灯片编号占位符 6">
             <a:extLst>
               <a:ext uri="{FF2B5EF4-FFF2-40B4-BE49-F238E27FC236}">
-                <a16:creationId xmlns:a16="http://schemas.microsoft.com/office/drawing/2014/main" id="{7BA31535-2786-DA6B-5806-5FF4301B3DF3}"/>
+                <a16:creationId xmlns:a16="http://schemas.microsoft.com/office/drawing/2014/main" id="{81ADC6C2-90A5-9432-D4F5-D5395E19EAF5}"/>
               </a:ext>
             </a:extLst>
           </p:cNvPr>
@@ -1450,7 +1450,7 @@
           <a:bodyPr/>
           <a:lstStyle/>
           <a:p>
-            <a:fld id="{2FDC811E-1B4C-491A-8724-28BD9668B8AE}" type="slidenum">
+            <a:fld id="{80DAD571-7B1D-4A0D-BB80-5FBAD0303FB7}" type="slidenum">
               <a:rPr lang="zh-CN" altLang="en-US" smtClean="0"/>
               <a:t>‹#›</a:t>
             </a:fld>
@@ -1461,7 +1461,7 @@
     </p:spTree>
     <p:extLst>
       <p:ext uri="{BB962C8B-B14F-4D97-AF65-F5344CB8AC3E}">
-        <p14:creationId xmlns:p14="http://schemas.microsoft.com/office/powerpoint/2010/main" val="2541414538"/>
+        <p14:creationId xmlns:p14="http://schemas.microsoft.com/office/powerpoint/2010/main" val="1946285054"/>
       </p:ext>
     </p:extLst>
   </p:cSld>
@@ -1493,7 +1493,7 @@
           <p:cNvPr id="2" name="标题 1">
             <a:extLst>
               <a:ext uri="{FF2B5EF4-FFF2-40B4-BE49-F238E27FC236}">
-                <a16:creationId xmlns:a16="http://schemas.microsoft.com/office/drawing/2014/main" id="{63401BEC-C110-E7CD-C848-C6F0CFBC6FC3}"/>
+                <a16:creationId xmlns:a16="http://schemas.microsoft.com/office/drawing/2014/main" id="{629FB60D-DEBB-C069-2681-7C963431BE85}"/>
               </a:ext>
             </a:extLst>
           </p:cNvPr>
@@ -1526,7 +1526,7 @@
           <p:cNvPr id="3" name="文本占位符 2">
             <a:extLst>
               <a:ext uri="{FF2B5EF4-FFF2-40B4-BE49-F238E27FC236}">
-                <a16:creationId xmlns:a16="http://schemas.microsoft.com/office/drawing/2014/main" id="{A925CEA7-0A52-8F23-DA62-4ABB4BE451E4}"/>
+                <a16:creationId xmlns:a16="http://schemas.microsoft.com/office/drawing/2014/main" id="{A2E338DF-C6BD-D0CD-E8AA-32F41A17D9E9}"/>
               </a:ext>
             </a:extLst>
           </p:cNvPr>
@@ -1597,7 +1597,7 @@
           <p:cNvPr id="4" name="内容占位符 3">
             <a:extLst>
               <a:ext uri="{FF2B5EF4-FFF2-40B4-BE49-F238E27FC236}">
-                <a16:creationId xmlns:a16="http://schemas.microsoft.com/office/drawing/2014/main" id="{775688A6-9941-BB59-B273-220403DA1FAF}"/>
+                <a16:creationId xmlns:a16="http://schemas.microsoft.com/office/drawing/2014/main" id="{9B2D02C6-8FFE-4B61-BE3D-3E7F92DAFCBE}"/>
               </a:ext>
             </a:extLst>
           </p:cNvPr>
@@ -1659,7 +1659,7 @@
           <p:cNvPr id="5" name="文本占位符 4">
             <a:extLst>
               <a:ext uri="{FF2B5EF4-FFF2-40B4-BE49-F238E27FC236}">
-                <a16:creationId xmlns:a16="http://schemas.microsoft.com/office/drawing/2014/main" id="{D0569BA9-3B44-44E9-D20D-07BFDA41B4A0}"/>
+                <a16:creationId xmlns:a16="http://schemas.microsoft.com/office/drawing/2014/main" id="{AC00670D-3CD6-916A-FB2F-06B9A08BC4C6}"/>
               </a:ext>
             </a:extLst>
           </p:cNvPr>
@@ -1730,7 +1730,7 @@
           <p:cNvPr id="6" name="内容占位符 5">
             <a:extLst>
               <a:ext uri="{FF2B5EF4-FFF2-40B4-BE49-F238E27FC236}">
-                <a16:creationId xmlns:a16="http://schemas.microsoft.com/office/drawing/2014/main" id="{AD08801C-DBCF-F096-63E3-F0E38AED8F2B}"/>
+                <a16:creationId xmlns:a16="http://schemas.microsoft.com/office/drawing/2014/main" id="{89633C27-165F-0859-DB9C-90766883C9D2}"/>
               </a:ext>
             </a:extLst>
           </p:cNvPr>
@@ -1792,7 +1792,7 @@
           <p:cNvPr id="7" name="日期占位符 6">
             <a:extLst>
               <a:ext uri="{FF2B5EF4-FFF2-40B4-BE49-F238E27FC236}">
-                <a16:creationId xmlns:a16="http://schemas.microsoft.com/office/drawing/2014/main" id="{1F5B49ED-7863-9700-6AF6-9A4E5861E2A2}"/>
+                <a16:creationId xmlns:a16="http://schemas.microsoft.com/office/drawing/2014/main" id="{49F65CC3-DF66-6156-FB17-5A34C41F45CE}"/>
               </a:ext>
             </a:extLst>
           </p:cNvPr>
@@ -1808,7 +1808,7 @@
           <a:bodyPr/>
           <a:lstStyle/>
           <a:p>
-            <a:fld id="{36604C1F-3788-4DEF-B93A-93B34974D5BF}" type="datetimeFigureOut">
+            <a:fld id="{40B384D3-2870-47AA-8050-DCC83562747A}" type="datetimeFigureOut">
               <a:rPr lang="zh-CN" altLang="en-US" smtClean="0"/>
               <a:t>2024/3/10</a:t>
             </a:fld>
@@ -1821,7 +1821,7 @@
           <p:cNvPr id="8" name="页脚占位符 7">
             <a:extLst>
               <a:ext uri="{FF2B5EF4-FFF2-40B4-BE49-F238E27FC236}">
-                <a16:creationId xmlns:a16="http://schemas.microsoft.com/office/drawing/2014/main" id="{7EF4A3FF-8CDA-E061-7C9F-E9F1B3DDC025}"/>
+                <a16:creationId xmlns:a16="http://schemas.microsoft.com/office/drawing/2014/main" id="{A0A5A116-2B11-2F62-05D6-49E6D28F3B78}"/>
               </a:ext>
             </a:extLst>
           </p:cNvPr>
@@ -1846,7 +1846,7 @@
           <p:cNvPr id="9" name="灯片编号占位符 8">
             <a:extLst>
               <a:ext uri="{FF2B5EF4-FFF2-40B4-BE49-F238E27FC236}">
-                <a16:creationId xmlns:a16="http://schemas.microsoft.com/office/drawing/2014/main" id="{685FA071-A165-6C9F-8B8A-92F4EB18C8CD}"/>
+                <a16:creationId xmlns:a16="http://schemas.microsoft.com/office/drawing/2014/main" id="{ED6CDFBF-A73A-9CCB-AD63-1F32E8B8329E}"/>
               </a:ext>
             </a:extLst>
           </p:cNvPr>
@@ -1862,7 +1862,7 @@
           <a:bodyPr/>
           <a:lstStyle/>
           <a:p>
-            <a:fld id="{2FDC811E-1B4C-491A-8724-28BD9668B8AE}" type="slidenum">
+            <a:fld id="{80DAD571-7B1D-4A0D-BB80-5FBAD0303FB7}" type="slidenum">
               <a:rPr lang="zh-CN" altLang="en-US" smtClean="0"/>
               <a:t>‹#›</a:t>
             </a:fld>
@@ -1873,7 +1873,7 @@
     </p:spTree>
     <p:extLst>
       <p:ext uri="{BB962C8B-B14F-4D97-AF65-F5344CB8AC3E}">
-        <p14:creationId xmlns:p14="http://schemas.microsoft.com/office/powerpoint/2010/main" val="1702663811"/>
+        <p14:creationId xmlns:p14="http://schemas.microsoft.com/office/powerpoint/2010/main" val="1547779231"/>
       </p:ext>
     </p:extLst>
   </p:cSld>
@@ -1905,7 +1905,7 @@
           <p:cNvPr id="2" name="标题 1">
             <a:extLst>
               <a:ext uri="{FF2B5EF4-FFF2-40B4-BE49-F238E27FC236}">
-                <a16:creationId xmlns:a16="http://schemas.microsoft.com/office/drawing/2014/main" id="{3AEC93B1-6E11-C422-31AD-74EDB074D4C3}"/>
+                <a16:creationId xmlns:a16="http://schemas.microsoft.com/office/drawing/2014/main" id="{6EFB9169-ADCB-1EE5-C354-1FEB23630039}"/>
               </a:ext>
             </a:extLst>
           </p:cNvPr>
@@ -1933,7 +1933,7 @@
           <p:cNvPr id="3" name="日期占位符 2">
             <a:extLst>
               <a:ext uri="{FF2B5EF4-FFF2-40B4-BE49-F238E27FC236}">
-                <a16:creationId xmlns:a16="http://schemas.microsoft.com/office/drawing/2014/main" id="{B12F571A-705C-CDBF-B8C7-5D5E568B400F}"/>
+                <a16:creationId xmlns:a16="http://schemas.microsoft.com/office/drawing/2014/main" id="{6CEEFDE1-E76E-8D56-5A36-7904B4447EE3}"/>
               </a:ext>
             </a:extLst>
           </p:cNvPr>
@@ -1949,7 +1949,7 @@
           <a:bodyPr/>
           <a:lstStyle/>
           <a:p>
-            <a:fld id="{36604C1F-3788-4DEF-B93A-93B34974D5BF}" type="datetimeFigureOut">
+            <a:fld id="{40B384D3-2870-47AA-8050-DCC83562747A}" type="datetimeFigureOut">
               <a:rPr lang="zh-CN" altLang="en-US" smtClean="0"/>
               <a:t>2024/3/10</a:t>
             </a:fld>
@@ -1962,7 +1962,7 @@
           <p:cNvPr id="4" name="页脚占位符 3">
             <a:extLst>
               <a:ext uri="{FF2B5EF4-FFF2-40B4-BE49-F238E27FC236}">
-                <a16:creationId xmlns:a16="http://schemas.microsoft.com/office/drawing/2014/main" id="{DE78F82D-72AE-CB83-A3A8-164C4E820031}"/>
+                <a16:creationId xmlns:a16="http://schemas.microsoft.com/office/drawing/2014/main" id="{990EA180-52F5-4A2D-AD7E-138BE5E6D29B}"/>
               </a:ext>
             </a:extLst>
           </p:cNvPr>
@@ -1987,7 +1987,7 @@
           <p:cNvPr id="5" name="灯片编号占位符 4">
             <a:extLst>
               <a:ext uri="{FF2B5EF4-FFF2-40B4-BE49-F238E27FC236}">
-                <a16:creationId xmlns:a16="http://schemas.microsoft.com/office/drawing/2014/main" id="{C27DD681-64E8-0F79-D9D7-732ECAE19276}"/>
+                <a16:creationId xmlns:a16="http://schemas.microsoft.com/office/drawing/2014/main" id="{11FB22A7-4F26-A57A-8369-298FBB6DA608}"/>
               </a:ext>
             </a:extLst>
           </p:cNvPr>
@@ -2003,7 +2003,7 @@
           <a:bodyPr/>
           <a:lstStyle/>
           <a:p>
-            <a:fld id="{2FDC811E-1B4C-491A-8724-28BD9668B8AE}" type="slidenum">
+            <a:fld id="{80DAD571-7B1D-4A0D-BB80-5FBAD0303FB7}" type="slidenum">
               <a:rPr lang="zh-CN" altLang="en-US" smtClean="0"/>
               <a:t>‹#›</a:t>
             </a:fld>
@@ -2014,7 +2014,7 @@
     </p:spTree>
     <p:extLst>
       <p:ext uri="{BB962C8B-B14F-4D97-AF65-F5344CB8AC3E}">
-        <p14:creationId xmlns:p14="http://schemas.microsoft.com/office/powerpoint/2010/main" val="2922335393"/>
+        <p14:creationId xmlns:p14="http://schemas.microsoft.com/office/powerpoint/2010/main" val="756152319"/>
       </p:ext>
     </p:extLst>
   </p:cSld>
@@ -2046,7 +2046,7 @@
           <p:cNvPr id="2" name="日期占位符 1">
             <a:extLst>
               <a:ext uri="{FF2B5EF4-FFF2-40B4-BE49-F238E27FC236}">
-                <a16:creationId xmlns:a16="http://schemas.microsoft.com/office/drawing/2014/main" id="{7E096CF7-3C4B-CCF8-1A1D-84E0E7B76322}"/>
+                <a16:creationId xmlns:a16="http://schemas.microsoft.com/office/drawing/2014/main" id="{6044D204-C083-71CD-59D2-73692B03C98D}"/>
               </a:ext>
             </a:extLst>
           </p:cNvPr>
@@ -2062,7 +2062,7 @@
           <a:bodyPr/>
           <a:lstStyle/>
           <a:p>
-            <a:fld id="{36604C1F-3788-4DEF-B93A-93B34974D5BF}" type="datetimeFigureOut">
+            <a:fld id="{40B384D3-2870-47AA-8050-DCC83562747A}" type="datetimeFigureOut">
               <a:rPr lang="zh-CN" altLang="en-US" smtClean="0"/>
               <a:t>2024/3/10</a:t>
             </a:fld>
@@ -2075,7 +2075,7 @@
           <p:cNvPr id="3" name="页脚占位符 2">
             <a:extLst>
               <a:ext uri="{FF2B5EF4-FFF2-40B4-BE49-F238E27FC236}">
-                <a16:creationId xmlns:a16="http://schemas.microsoft.com/office/drawing/2014/main" id="{7A7D509B-2A95-86F8-0EA3-D9D0C91A7550}"/>
+                <a16:creationId xmlns:a16="http://schemas.microsoft.com/office/drawing/2014/main" id="{F6E6A4F8-47BD-E02A-9326-74C4A57012B2}"/>
               </a:ext>
             </a:extLst>
           </p:cNvPr>
@@ -2100,7 +2100,7 @@
           <p:cNvPr id="4" name="灯片编号占位符 3">
             <a:extLst>
               <a:ext uri="{FF2B5EF4-FFF2-40B4-BE49-F238E27FC236}">
-                <a16:creationId xmlns:a16="http://schemas.microsoft.com/office/drawing/2014/main" id="{128B1FC2-399F-4FC5-00A2-9DCF15521F63}"/>
+                <a16:creationId xmlns:a16="http://schemas.microsoft.com/office/drawing/2014/main" id="{3C736566-7200-409F-FCC9-800FDB6B9564}"/>
               </a:ext>
             </a:extLst>
           </p:cNvPr>
@@ -2116,7 +2116,7 @@
           <a:bodyPr/>
           <a:lstStyle/>
           <a:p>
-            <a:fld id="{2FDC811E-1B4C-491A-8724-28BD9668B8AE}" type="slidenum">
+            <a:fld id="{80DAD571-7B1D-4A0D-BB80-5FBAD0303FB7}" type="slidenum">
               <a:rPr lang="zh-CN" altLang="en-US" smtClean="0"/>
               <a:t>‹#›</a:t>
             </a:fld>
@@ -2127,7 +2127,7 @@
     </p:spTree>
     <p:extLst>
       <p:ext uri="{BB962C8B-B14F-4D97-AF65-F5344CB8AC3E}">
-        <p14:creationId xmlns:p14="http://schemas.microsoft.com/office/powerpoint/2010/main" val="3948767206"/>
+        <p14:creationId xmlns:p14="http://schemas.microsoft.com/office/powerpoint/2010/main" val="2556144906"/>
       </p:ext>
     </p:extLst>
   </p:cSld>
@@ -2159,7 +2159,7 @@
           <p:cNvPr id="2" name="标题 1">
             <a:extLst>
               <a:ext uri="{FF2B5EF4-FFF2-40B4-BE49-F238E27FC236}">
-                <a16:creationId xmlns:a16="http://schemas.microsoft.com/office/drawing/2014/main" id="{5D9C4CD1-1123-CED7-03B6-79553BF48DDF}"/>
+                <a16:creationId xmlns:a16="http://schemas.microsoft.com/office/drawing/2014/main" id="{FC94ED1A-7CEE-3725-AFD1-CE6C4E463DE9}"/>
               </a:ext>
             </a:extLst>
           </p:cNvPr>
@@ -2196,7 +2196,7 @@
           <p:cNvPr id="3" name="内容占位符 2">
             <a:extLst>
               <a:ext uri="{FF2B5EF4-FFF2-40B4-BE49-F238E27FC236}">
-                <a16:creationId xmlns:a16="http://schemas.microsoft.com/office/drawing/2014/main" id="{F2F54C3F-F38E-C19D-61D1-C7DB46FBAA58}"/>
+                <a16:creationId xmlns:a16="http://schemas.microsoft.com/office/drawing/2014/main" id="{AFF8A31A-255E-13FA-998E-6CF773ADAC46}"/>
               </a:ext>
             </a:extLst>
           </p:cNvPr>
@@ -2286,7 +2286,7 @@
           <p:cNvPr id="4" name="文本占位符 3">
             <a:extLst>
               <a:ext uri="{FF2B5EF4-FFF2-40B4-BE49-F238E27FC236}">
-                <a16:creationId xmlns:a16="http://schemas.microsoft.com/office/drawing/2014/main" id="{738AB418-6C66-2351-305B-8A1E23069856}"/>
+                <a16:creationId xmlns:a16="http://schemas.microsoft.com/office/drawing/2014/main" id="{CA47CAB0-5283-F9BD-0D86-32E516CCED54}"/>
               </a:ext>
             </a:extLst>
           </p:cNvPr>
@@ -2357,7 +2357,7 @@
           <p:cNvPr id="5" name="日期占位符 4">
             <a:extLst>
               <a:ext uri="{FF2B5EF4-FFF2-40B4-BE49-F238E27FC236}">
-                <a16:creationId xmlns:a16="http://schemas.microsoft.com/office/drawing/2014/main" id="{587430EC-E794-0398-02DA-63BC85F2E270}"/>
+                <a16:creationId xmlns:a16="http://schemas.microsoft.com/office/drawing/2014/main" id="{6D7FC4BC-F233-1FFF-7EF3-53ACDE88D4CD}"/>
               </a:ext>
             </a:extLst>
           </p:cNvPr>
@@ -2373,7 +2373,7 @@
           <a:bodyPr/>
           <a:lstStyle/>
           <a:p>
-            <a:fld id="{36604C1F-3788-4DEF-B93A-93B34974D5BF}" type="datetimeFigureOut">
+            <a:fld id="{40B384D3-2870-47AA-8050-DCC83562747A}" type="datetimeFigureOut">
               <a:rPr lang="zh-CN" altLang="en-US" smtClean="0"/>
               <a:t>2024/3/10</a:t>
             </a:fld>
@@ -2386,7 +2386,7 @@
           <p:cNvPr id="6" name="页脚占位符 5">
             <a:extLst>
               <a:ext uri="{FF2B5EF4-FFF2-40B4-BE49-F238E27FC236}">
-                <a16:creationId xmlns:a16="http://schemas.microsoft.com/office/drawing/2014/main" id="{944A265F-5A43-4087-1FF8-A77757834DDD}"/>
+                <a16:creationId xmlns:a16="http://schemas.microsoft.com/office/drawing/2014/main" id="{A3010348-8C6B-CFC0-B48E-0ADCEABDD218}"/>
               </a:ext>
             </a:extLst>
           </p:cNvPr>
@@ -2411,7 +2411,7 @@
           <p:cNvPr id="7" name="灯片编号占位符 6">
             <a:extLst>
               <a:ext uri="{FF2B5EF4-FFF2-40B4-BE49-F238E27FC236}">
-                <a16:creationId xmlns:a16="http://schemas.microsoft.com/office/drawing/2014/main" id="{F154FED5-7F1A-7F2A-88F6-088F6D4247FF}"/>
+                <a16:creationId xmlns:a16="http://schemas.microsoft.com/office/drawing/2014/main" id="{0C0B5423-81FF-4FD2-EC03-AE6F09576585}"/>
               </a:ext>
             </a:extLst>
           </p:cNvPr>
@@ -2427,7 +2427,7 @@
           <a:bodyPr/>
           <a:lstStyle/>
           <a:p>
-            <a:fld id="{2FDC811E-1B4C-491A-8724-28BD9668B8AE}" type="slidenum">
+            <a:fld id="{80DAD571-7B1D-4A0D-BB80-5FBAD0303FB7}" type="slidenum">
               <a:rPr lang="zh-CN" altLang="en-US" smtClean="0"/>
               <a:t>‹#›</a:t>
             </a:fld>
@@ -2438,7 +2438,7 @@
     </p:spTree>
     <p:extLst>
       <p:ext uri="{BB962C8B-B14F-4D97-AF65-F5344CB8AC3E}">
-        <p14:creationId xmlns:p14="http://schemas.microsoft.com/office/powerpoint/2010/main" val="2385147017"/>
+        <p14:creationId xmlns:p14="http://schemas.microsoft.com/office/powerpoint/2010/main" val="2574464336"/>
       </p:ext>
     </p:extLst>
   </p:cSld>
@@ -2470,7 +2470,7 @@
           <p:cNvPr id="2" name="标题 1">
             <a:extLst>
               <a:ext uri="{FF2B5EF4-FFF2-40B4-BE49-F238E27FC236}">
-                <a16:creationId xmlns:a16="http://schemas.microsoft.com/office/drawing/2014/main" id="{C08B71C5-AB5A-35FD-70FF-7603B97ED7EA}"/>
+                <a16:creationId xmlns:a16="http://schemas.microsoft.com/office/drawing/2014/main" id="{154E3C68-6314-E215-AB33-F6F45DA7E712}"/>
               </a:ext>
             </a:extLst>
           </p:cNvPr>
@@ -2507,7 +2507,7 @@
           <p:cNvPr id="3" name="图片占位符 2">
             <a:extLst>
               <a:ext uri="{FF2B5EF4-FFF2-40B4-BE49-F238E27FC236}">
-                <a16:creationId xmlns:a16="http://schemas.microsoft.com/office/drawing/2014/main" id="{8A625DC1-9439-9821-E77B-F2CC1D95FEF0}"/>
+                <a16:creationId xmlns:a16="http://schemas.microsoft.com/office/drawing/2014/main" id="{1460C511-1F34-2330-F23D-B34535714659}"/>
               </a:ext>
             </a:extLst>
           </p:cNvPr>
@@ -2574,7 +2574,7 @@
           <p:cNvPr id="4" name="文本占位符 3">
             <a:extLst>
               <a:ext uri="{FF2B5EF4-FFF2-40B4-BE49-F238E27FC236}">
-                <a16:creationId xmlns:a16="http://schemas.microsoft.com/office/drawing/2014/main" id="{AB233EF4-810D-E212-6CE1-6EA13A8823EC}"/>
+                <a16:creationId xmlns:a16="http://schemas.microsoft.com/office/drawing/2014/main" id="{F9F3E99A-5CB3-717B-82C6-84740C70DB1E}"/>
               </a:ext>
             </a:extLst>
           </p:cNvPr>
@@ -2645,7 +2645,7 @@
           <p:cNvPr id="5" name="日期占位符 4">
             <a:extLst>
               <a:ext uri="{FF2B5EF4-FFF2-40B4-BE49-F238E27FC236}">
-                <a16:creationId xmlns:a16="http://schemas.microsoft.com/office/drawing/2014/main" id="{84265A11-C882-D14D-9AE7-8481BA5EECB3}"/>
+                <a16:creationId xmlns:a16="http://schemas.microsoft.com/office/drawing/2014/main" id="{7B016BE9-F999-0E7D-86DD-E9A3EF8682B0}"/>
               </a:ext>
             </a:extLst>
           </p:cNvPr>
@@ -2661,7 +2661,7 @@
           <a:bodyPr/>
           <a:lstStyle/>
           <a:p>
-            <a:fld id="{36604C1F-3788-4DEF-B93A-93B34974D5BF}" type="datetimeFigureOut">
+            <a:fld id="{40B384D3-2870-47AA-8050-DCC83562747A}" type="datetimeFigureOut">
               <a:rPr lang="zh-CN" altLang="en-US" smtClean="0"/>
               <a:t>2024/3/10</a:t>
             </a:fld>
@@ -2674,7 +2674,7 @@
           <p:cNvPr id="6" name="页脚占位符 5">
             <a:extLst>
               <a:ext uri="{FF2B5EF4-FFF2-40B4-BE49-F238E27FC236}">
-                <a16:creationId xmlns:a16="http://schemas.microsoft.com/office/drawing/2014/main" id="{CA99B6C1-1194-1E39-9736-87F1F9652675}"/>
+                <a16:creationId xmlns:a16="http://schemas.microsoft.com/office/drawing/2014/main" id="{E2B55C7E-430F-546E-4933-95591BD287EC}"/>
               </a:ext>
             </a:extLst>
           </p:cNvPr>
@@ -2699,7 +2699,7 @@
           <p:cNvPr id="7" name="灯片编号占位符 6">
             <a:extLst>
               <a:ext uri="{FF2B5EF4-FFF2-40B4-BE49-F238E27FC236}">
-                <a16:creationId xmlns:a16="http://schemas.microsoft.com/office/drawing/2014/main" id="{7B1A0555-D6C9-EA37-F6D9-0A2F7A8D6C13}"/>
+                <a16:creationId xmlns:a16="http://schemas.microsoft.com/office/drawing/2014/main" id="{AA47F401-36D3-C7AA-5A9D-C44895E9DBFA}"/>
               </a:ext>
             </a:extLst>
           </p:cNvPr>
@@ -2715,7 +2715,7 @@
           <a:bodyPr/>
           <a:lstStyle/>
           <a:p>
-            <a:fld id="{2FDC811E-1B4C-491A-8724-28BD9668B8AE}" type="slidenum">
+            <a:fld id="{80DAD571-7B1D-4A0D-BB80-5FBAD0303FB7}" type="slidenum">
               <a:rPr lang="zh-CN" altLang="en-US" smtClean="0"/>
               <a:t>‹#›</a:t>
             </a:fld>
@@ -2726,7 +2726,7 @@
     </p:spTree>
     <p:extLst>
       <p:ext uri="{BB962C8B-B14F-4D97-AF65-F5344CB8AC3E}">
-        <p14:creationId xmlns:p14="http://schemas.microsoft.com/office/powerpoint/2010/main" val="58672376"/>
+        <p14:creationId xmlns:p14="http://schemas.microsoft.com/office/powerpoint/2010/main" val="2497593642"/>
       </p:ext>
     </p:extLst>
   </p:cSld>
@@ -2763,7 +2763,7 @@
           <p:cNvPr id="2" name="标题占位符 1">
             <a:extLst>
               <a:ext uri="{FF2B5EF4-FFF2-40B4-BE49-F238E27FC236}">
-                <a16:creationId xmlns:a16="http://schemas.microsoft.com/office/drawing/2014/main" id="{17392731-439A-BFC9-3275-6E04045535EE}"/>
+                <a16:creationId xmlns:a16="http://schemas.microsoft.com/office/drawing/2014/main" id="{82E30319-CCE7-2775-BC23-4748DC51C4B8}"/>
               </a:ext>
             </a:extLst>
           </p:cNvPr>
@@ -2801,7 +2801,7 @@
           <p:cNvPr id="3" name="文本占位符 2">
             <a:extLst>
               <a:ext uri="{FF2B5EF4-FFF2-40B4-BE49-F238E27FC236}">
-                <a16:creationId xmlns:a16="http://schemas.microsoft.com/office/drawing/2014/main" id="{3C5F3073-AE84-68CA-6066-9167B119C0E9}"/>
+                <a16:creationId xmlns:a16="http://schemas.microsoft.com/office/drawing/2014/main" id="{A4E151BF-7AA3-2E38-10F1-802FEFC36C80}"/>
               </a:ext>
             </a:extLst>
           </p:cNvPr>
@@ -2868,7 +2868,7 @@
           <p:cNvPr id="4" name="日期占位符 3">
             <a:extLst>
               <a:ext uri="{FF2B5EF4-FFF2-40B4-BE49-F238E27FC236}">
-                <a16:creationId xmlns:a16="http://schemas.microsoft.com/office/drawing/2014/main" id="{B3650E4D-1AFC-9C01-9FE2-3E70823A1D32}"/>
+                <a16:creationId xmlns:a16="http://schemas.microsoft.com/office/drawing/2014/main" id="{7BBD1B02-E583-7EB8-B776-2ED6588CC70A}"/>
               </a:ext>
             </a:extLst>
           </p:cNvPr>
@@ -2902,7 +2902,7 @@
             </a:lvl1pPr>
           </a:lstStyle>
           <a:p>
-            <a:fld id="{36604C1F-3788-4DEF-B93A-93B34974D5BF}" type="datetimeFigureOut">
+            <a:fld id="{40B384D3-2870-47AA-8050-DCC83562747A}" type="datetimeFigureOut">
               <a:rPr lang="zh-CN" altLang="en-US" smtClean="0"/>
               <a:t>2024/3/10</a:t>
             </a:fld>
@@ -2915,7 +2915,7 @@
           <p:cNvPr id="5" name="页脚占位符 4">
             <a:extLst>
               <a:ext uri="{FF2B5EF4-FFF2-40B4-BE49-F238E27FC236}">
-                <a16:creationId xmlns:a16="http://schemas.microsoft.com/office/drawing/2014/main" id="{ACAE0C07-9A41-4A4B-BE5F-C0B3C7A3D962}"/>
+                <a16:creationId xmlns:a16="http://schemas.microsoft.com/office/drawing/2014/main" id="{B7AB22E3-FA8A-0A91-E099-2C70798980BB}"/>
               </a:ext>
             </a:extLst>
           </p:cNvPr>
@@ -2958,7 +2958,7 @@
           <p:cNvPr id="6" name="灯片编号占位符 5">
             <a:extLst>
               <a:ext uri="{FF2B5EF4-FFF2-40B4-BE49-F238E27FC236}">
-                <a16:creationId xmlns:a16="http://schemas.microsoft.com/office/drawing/2014/main" id="{F8B57299-94DE-D6CC-58D7-700CBE478DB9}"/>
+                <a16:creationId xmlns:a16="http://schemas.microsoft.com/office/drawing/2014/main" id="{BDA5420E-2EE0-564E-6F22-E68491C50525}"/>
               </a:ext>
             </a:extLst>
           </p:cNvPr>
@@ -2992,7 +2992,7 @@
             </a:lvl1pPr>
           </a:lstStyle>
           <a:p>
-            <a:fld id="{2FDC811E-1B4C-491A-8724-28BD9668B8AE}" type="slidenum">
+            <a:fld id="{80DAD571-7B1D-4A0D-BB80-5FBAD0303FB7}" type="slidenum">
               <a:rPr lang="zh-CN" altLang="en-US" smtClean="0"/>
               <a:t>‹#›</a:t>
             </a:fld>
@@ -3003,7 +3003,7 @@
     </p:spTree>
     <p:extLst>
       <p:ext uri="{BB962C8B-B14F-4D97-AF65-F5344CB8AC3E}">
-        <p14:creationId xmlns:p14="http://schemas.microsoft.com/office/powerpoint/2010/main" val="2492461408"/>
+        <p14:creationId xmlns:p14="http://schemas.microsoft.com/office/powerpoint/2010/main" val="2831550917"/>
       </p:ext>
     </p:extLst>
   </p:cSld>
@@ -3323,7 +3323,7 @@
       </p:grpSpPr>
       <p:pic>
         <p:nvPicPr>
-          <p:cNvPr id="1110018" name="Picture 2" descr="1083"/>
+          <p:cNvPr id="1111042" name="Picture 2" descr="1084"/>
           <p:cNvPicPr>
             <a:picLocks noChangeAspect="1" noChangeArrowheads="1"/>
           </p:cNvPicPr>
@@ -3375,11 +3375,158 @@
           </a:extLst>
         </p:spPr>
       </p:pic>
+      <p:pic>
+        <p:nvPicPr>
+          <p:cNvPr id="1112067" name="Picture 3" descr="1084-2"/>
+          <p:cNvPicPr>
+            <a:picLocks noChangeAspect="1" noChangeArrowheads="1"/>
+          </p:cNvPicPr>
+          <p:nvPr/>
+        </p:nvPicPr>
+        <p:blipFill>
+          <a:blip r:embed="rId3">
+            <a:extLst>
+              <a:ext uri="{28A0092B-C50C-407E-A947-70E740481C1C}">
+                <a14:useLocalDpi xmlns:a14="http://schemas.microsoft.com/office/drawing/2010/main" val="0"/>
+              </a:ext>
+            </a:extLst>
+          </a:blip>
+          <a:srcRect/>
+          <a:stretch>
+            <a:fillRect/>
+          </a:stretch>
+        </p:blipFill>
+        <p:spPr bwMode="auto">
+          <a:xfrm>
+            <a:off x="1524000" y="14288"/>
+            <a:ext cx="9124950" cy="6843712"/>
+          </a:xfrm>
+          <a:prstGeom prst="rect">
+            <a:avLst/>
+          </a:prstGeom>
+          <a:noFill/>
+          <a:ln>
+            <a:noFill/>
+          </a:ln>
+          <a:effectLst/>
+          <a:extLst>
+            <a:ext uri="{909E8E84-426E-40DD-AFC4-6F175D3DCCD1}">
+              <a14:hiddenFill xmlns:a14="http://schemas.microsoft.com/office/drawing/2010/main">
+                <a:solidFill>
+                  <a:srgbClr val="FFFFFF"/>
+                </a:solidFill>
+              </a14:hiddenFill>
+            </a:ext>
+            <a:ext uri="{91240B29-F687-4F45-9708-019B960494DF}">
+              <a14:hiddenLine xmlns:a14="http://schemas.microsoft.com/office/drawing/2010/main" w="9525">
+                <a:solidFill>
+                  <a:srgbClr val="000000"/>
+                </a:solidFill>
+                <a:miter lim="800000"/>
+                <a:headEnd/>
+                <a:tailEnd/>
+              </a14:hiddenLine>
+            </a:ext>
+            <a:ext uri="{AF507438-7753-43E0-B8FC-AC1667EBCBE1}">
+              <a14:hiddenEffects xmlns:a14="http://schemas.microsoft.com/office/drawing/2010/main">
+                <a:effectLst>
+                  <a:outerShdw dist="35921" dir="2700000" algn="ctr" rotWithShape="0">
+                    <a:srgbClr val="808080"/>
+                  </a:outerShdw>
+                </a:effectLst>
+              </a14:hiddenEffects>
+            </a:ext>
+          </a:extLst>
+        </p:spPr>
+      </p:pic>
     </p:spTree>
   </p:cSld>
   <p:clrMapOvr>
     <a:masterClrMapping/>
   </p:clrMapOvr>
+  <p:timing>
+    <p:tnLst>
+      <p:par>
+        <p:cTn id="1" dur="indefinite" restart="never" nodeType="tmRoot">
+          <p:childTnLst>
+            <p:seq concurrent="1" nextAc="seek">
+              <p:cTn id="2" dur="indefinite" nodeType="mainSeq">
+                <p:childTnLst>
+                  <p:par>
+                    <p:cTn id="3" fill="hold" nodeType="clickPar">
+                      <p:stCondLst>
+                        <p:cond delay="indefinite"/>
+                      </p:stCondLst>
+                      <p:childTnLst>
+                        <p:par>
+                          <p:cTn id="4" fill="hold" nodeType="withGroup">
+                            <p:stCondLst>
+                              <p:cond delay="0"/>
+                            </p:stCondLst>
+                            <p:childTnLst>
+                              <p:par>
+                                <p:cTn id="5" presetID="10" presetClass="entr" presetSubtype="0" fill="hold" nodeType="clickEffect">
+                                  <p:stCondLst>
+                                    <p:cond delay="0"/>
+                                  </p:stCondLst>
+                                  <p:childTnLst>
+                                    <p:set>
+                                      <p:cBhvr>
+                                        <p:cTn id="6" dur="1" fill="hold">
+                                          <p:stCondLst>
+                                            <p:cond delay="0"/>
+                                          </p:stCondLst>
+                                        </p:cTn>
+                                        <p:tgtEl>
+                                          <p:spTgt spid="1112067"/>
+                                        </p:tgtEl>
+                                        <p:attrNameLst>
+                                          <p:attrName>style.visibility</p:attrName>
+                                        </p:attrNameLst>
+                                      </p:cBhvr>
+                                      <p:to>
+                                        <p:strVal val="visible"/>
+                                      </p:to>
+                                    </p:set>
+                                    <p:animEffect transition="in" filter="fade">
+                                      <p:cBhvr>
+                                        <p:cTn id="7" dur="500"/>
+                                        <p:tgtEl>
+                                          <p:spTgt spid="1112067"/>
+                                        </p:tgtEl>
+                                      </p:cBhvr>
+                                    </p:animEffect>
+                                  </p:childTnLst>
+                                </p:cTn>
+                              </p:par>
+                            </p:childTnLst>
+                          </p:cTn>
+                        </p:par>
+                      </p:childTnLst>
+                    </p:cTn>
+                  </p:par>
+                </p:childTnLst>
+              </p:cTn>
+              <p:prevCondLst>
+                <p:cond evt="onPrev" delay="0">
+                  <p:tgtEl>
+                    <p:sldTgt/>
+                  </p:tgtEl>
+                </p:cond>
+              </p:prevCondLst>
+              <p:nextCondLst>
+                <p:cond evt="onNext" delay="0">
+                  <p:tgtEl>
+                    <p:sldTgt/>
+                  </p:tgtEl>
+                </p:cond>
+              </p:nextCondLst>
+            </p:seq>
+          </p:childTnLst>
+        </p:cTn>
+      </p:par>
+    </p:tnLst>
+  </p:timing>
 </p:sld>
 </file>
 
